--- a/Modifying the Demo Project.pptx
+++ b/Modifying the Demo Project.pptx
@@ -9291,10 +9291,10 @@
                         <a:buNone/>
                       </a:pPr>
                       <a:r>
-                        <a:rPr lang="en-US" sz="1800" u="none" strike="noStrike" cap="none"/>
+                        <a:rPr lang="en-US" sz="1800" u="none" strike="noStrike" cap="none" dirty="0"/>
                         <a:t>Port</a:t>
                       </a:r>
-                      <a:endParaRPr/>
+                      <a:endParaRPr dirty="0"/>
                     </a:p>
                   </a:txBody>
                   <a:tcPr marL="91450" marR="91450" marT="45725" marB="45725"/>
@@ -9367,10 +9367,10 @@
                         <a:buNone/>
                       </a:pPr>
                       <a:r>
-                        <a:rPr lang="en-US" sz="1800" u="none" strike="noStrike" cap="none"/>
+                        <a:rPr lang="en-US" sz="1800" u="none" strike="noStrike" cap="none" dirty="0"/>
                         <a:t>PIN0</a:t>
                       </a:r>
-                      <a:endParaRPr/>
+                      <a:endParaRPr dirty="0"/>
                     </a:p>
                   </a:txBody>
                   <a:tcPr marL="91450" marR="91450" marT="45725" marB="45725"/>
@@ -18761,7 +18761,7 @@
         </p:nvSpPr>
         <p:spPr>
           <a:xfrm>
-            <a:off x="512855" y="1335192"/>
+            <a:off x="838200" y="1350616"/>
             <a:ext cx="10515600" cy="707846"/>
           </a:xfrm>
           <a:prstGeom prst="rect">
@@ -19682,7 +19682,7 @@
         </p:nvSpPr>
         <p:spPr>
           <a:xfrm>
-            <a:off x="781650" y="4622934"/>
+            <a:off x="838200" y="4607197"/>
             <a:ext cx="5513642" cy="1631175"/>
           </a:xfrm>
           <a:prstGeom prst="rect">
